--- a/ESA2022_en.pptx
+++ b/ESA2022_en.pptx
@@ -126,7 +126,7 @@
 <file path=ppt/revisionInfo.xml><?xml version="1.0" encoding="utf-8"?>
 <p1510:revInfo xmlns:a="http://schemas.openxmlformats.org/drawingml/2006/main" xmlns:r="http://schemas.openxmlformats.org/officeDocument/2006/relationships" xmlns:p1510="http://schemas.microsoft.com/office/powerpoint/2015/10/main">
   <p1510:revLst>
-    <p1510:client id="{D4641937-16B1-4FA1-BE9B-F8929768D315}" v="674" dt="2022-08-12T14:23:14.806"/>
+    <p1510:client id="{D4641937-16B1-4FA1-BE9B-F8929768D315}" v="675" dt="2022-08-12T21:09:11.112"/>
   </p1510:revLst>
 </p1510:revInfo>
 </file>
@@ -136,7 +136,7 @@
   <pc:docChgLst>
     <pc:chgData name="Scott Oswald" userId="dc556f76c70b138e" providerId="LiveId" clId="{D4641937-16B1-4FA1-BE9B-F8929768D315}"/>
     <pc:docChg chg="undo custSel addSld delSld modSld">
-      <pc:chgData name="Scott Oswald" userId="dc556f76c70b138e" providerId="LiveId" clId="{D4641937-16B1-4FA1-BE9B-F8929768D315}" dt="2022-08-12T14:10:11.952" v="173"/>
+      <pc:chgData name="Scott Oswald" userId="dc556f76c70b138e" providerId="LiveId" clId="{D4641937-16B1-4FA1-BE9B-F8929768D315}" dt="2022-08-12T21:09:51.495" v="270" actId="20577"/>
       <pc:docMkLst>
         <pc:docMk/>
       </pc:docMkLst>
@@ -409,12 +409,44 @@
           </ac:picMkLst>
         </pc:picChg>
       </pc:sldChg>
-      <pc:sldChg chg="delSp add mod">
-        <pc:chgData name="Scott Oswald" userId="dc556f76c70b138e" providerId="LiveId" clId="{D4641937-16B1-4FA1-BE9B-F8929768D315}" dt="2022-08-11T14:23:29.219" v="71" actId="478"/>
+      <pc:sldChg chg="addSp delSp modSp add mod">
+        <pc:chgData name="Scott Oswald" userId="dc556f76c70b138e" providerId="LiveId" clId="{D4641937-16B1-4FA1-BE9B-F8929768D315}" dt="2022-08-12T21:09:51.495" v="270" actId="20577"/>
         <pc:sldMkLst>
           <pc:docMk/>
           <pc:sldMk cId="1499881178" sldId="296"/>
         </pc:sldMkLst>
+        <pc:spChg chg="mod">
+          <ac:chgData name="Scott Oswald" userId="dc556f76c70b138e" providerId="LiveId" clId="{D4641937-16B1-4FA1-BE9B-F8929768D315}" dt="2022-08-12T21:09:40.172" v="261" actId="1036"/>
+          <ac:spMkLst>
+            <pc:docMk/>
+            <pc:sldMk cId="1499881178" sldId="296"/>
+            <ac:spMk id="4" creationId="{4D821850-BA8D-4D50-94AE-FE5CDFEBF3CF}"/>
+          </ac:spMkLst>
+        </pc:spChg>
+        <pc:spChg chg="mod">
+          <ac:chgData name="Scott Oswald" userId="dc556f76c70b138e" providerId="LiveId" clId="{D4641937-16B1-4FA1-BE9B-F8929768D315}" dt="2022-08-12T21:09:40.172" v="261" actId="1036"/>
+          <ac:spMkLst>
+            <pc:docMk/>
+            <pc:sldMk cId="1499881178" sldId="296"/>
+            <ac:spMk id="5" creationId="{59B681C4-4DFD-C801-4A3B-7B1FC2B4B4EC}"/>
+          </ac:spMkLst>
+        </pc:spChg>
+        <pc:spChg chg="add mod">
+          <ac:chgData name="Scott Oswald" userId="dc556f76c70b138e" providerId="LiveId" clId="{D4641937-16B1-4FA1-BE9B-F8929768D315}" dt="2022-08-12T21:09:30.348" v="248" actId="1076"/>
+          <ac:spMkLst>
+            <pc:docMk/>
+            <pc:sldMk cId="1499881178" sldId="296"/>
+            <ac:spMk id="7" creationId="{5E467F44-B4F0-87AC-8571-491DF13B3409}"/>
+          </ac:spMkLst>
+        </pc:spChg>
+        <pc:spChg chg="add mod">
+          <ac:chgData name="Scott Oswald" userId="dc556f76c70b138e" providerId="LiveId" clId="{D4641937-16B1-4FA1-BE9B-F8929768D315}" dt="2022-08-12T21:09:51.495" v="270" actId="20577"/>
+          <ac:spMkLst>
+            <pc:docMk/>
+            <pc:sldMk cId="1499881178" sldId="296"/>
+            <ac:spMk id="16" creationId="{FCEB8124-F519-A8AF-4ADF-234F971AD9EF}"/>
+          </ac:spMkLst>
+        </pc:spChg>
         <pc:picChg chg="del">
           <ac:chgData name="Scott Oswald" userId="dc556f76c70b138e" providerId="LiveId" clId="{D4641937-16B1-4FA1-BE9B-F8929768D315}" dt="2022-08-11T14:23:29.219" v="71" actId="478"/>
           <ac:picMkLst>
@@ -7042,7 +7074,7 @@
         </p:nvSpPr>
         <p:spPr>
           <a:xfrm>
-            <a:off x="371066" y="4775622"/>
+            <a:off x="371066" y="4286341"/>
             <a:ext cx="4954274" cy="707886"/>
           </a:xfrm>
           <a:prstGeom prst="rect">
@@ -7098,7 +7130,7 @@
         </p:nvSpPr>
         <p:spPr>
           <a:xfrm>
-            <a:off x="368378" y="5571463"/>
+            <a:off x="368378" y="5082182"/>
             <a:ext cx="4959555" cy="523220"/>
           </a:xfrm>
           <a:prstGeom prst="rect">
@@ -7133,7 +7165,7 @@
               <a:rPr lang="en-US" sz="2800" b="1" dirty="0"/>
               <a:t>leaves.and.lemmas@gmail.com</a:t>
             </a:r>
-            <a:endParaRPr lang="fr-CA" sz="2800" b="1">
+            <a:endParaRPr lang="fr-CA" sz="2800" b="1" dirty="0">
               <a:cs typeface="Calibri"/>
             </a:endParaRPr>
           </a:p>
@@ -7234,6 +7266,107 @@
               </a:rPr>
               <a:t>Regulation form determines balance point and attractor </a:t>
             </a:r>
+          </a:p>
+        </p:txBody>
+      </p:sp>
+      <p:sp>
+        <p:nvSpPr>
+          <p:cNvPr id="7" name="TextBox 6">
+            <a:extLst>
+              <a:ext uri="{FF2B5EF4-FFF2-40B4-BE49-F238E27FC236}">
+                <a16:creationId xmlns:a16="http://schemas.microsoft.com/office/drawing/2014/main" id="{5E467F44-B4F0-87AC-8571-491DF13B3409}"/>
+              </a:ext>
+            </a:extLst>
+          </p:cNvPr>
+          <p:cNvSpPr txBox="1"/>
+          <p:nvPr/>
+        </p:nvSpPr>
+        <p:spPr>
+          <a:xfrm>
+            <a:off x="279687" y="5812145"/>
+            <a:ext cx="4954274" cy="400110"/>
+          </a:xfrm>
+          <a:prstGeom prst="rect">
+            <a:avLst/>
+          </a:prstGeom>
+          <a:solidFill>
+            <a:srgbClr val="000000">
+              <a:alpha val="60000"/>
+            </a:srgbClr>
+          </a:solidFill>
+        </p:spPr>
+        <p:txBody>
+          <a:bodyPr wrap="square" lIns="91440" tIns="45720" rIns="91440" bIns="45720" rtlCol="0" anchor="t">
+            <a:spAutoFit/>
+          </a:bodyPr>
+          <a:lstStyle/>
+          <a:p>
+            <a:r>
+              <a:rPr lang="en-US" sz="2000" dirty="0"/>
+              <a:t>Slides available at:</a:t>
+            </a:r>
+            <a:endParaRPr lang="en-US" sz="2000" dirty="0">
+              <a:cs typeface="Calibri"/>
+            </a:endParaRPr>
+          </a:p>
+        </p:txBody>
+      </p:sp>
+      <p:sp>
+        <p:nvSpPr>
+          <p:cNvPr id="16" name="TextBox 15">
+            <a:extLst>
+              <a:ext uri="{FF2B5EF4-FFF2-40B4-BE49-F238E27FC236}">
+                <a16:creationId xmlns:a16="http://schemas.microsoft.com/office/drawing/2014/main" id="{FCEB8124-F519-A8AF-4ADF-234F971AD9EF}"/>
+              </a:ext>
+            </a:extLst>
+          </p:cNvPr>
+          <p:cNvSpPr txBox="1"/>
+          <p:nvPr/>
+        </p:nvSpPr>
+        <p:spPr>
+          <a:xfrm>
+            <a:off x="365785" y="6212255"/>
+            <a:ext cx="4959555" cy="523220"/>
+          </a:xfrm>
+          <a:prstGeom prst="rect">
+            <a:avLst/>
+          </a:prstGeom>
+          <a:solidFill>
+            <a:srgbClr val="FFFFFF"/>
+          </a:solidFill>
+        </p:spPr>
+        <p:style>
+          <a:lnRef idx="2">
+            <a:schemeClr val="dk1"/>
+          </a:lnRef>
+          <a:fillRef idx="1">
+            <a:schemeClr val="lt1"/>
+          </a:fillRef>
+          <a:effectRef idx="0">
+            <a:schemeClr val="dk1"/>
+          </a:effectRef>
+          <a:fontRef idx="minor">
+            <a:schemeClr val="dk1"/>
+          </a:fontRef>
+        </p:style>
+        <p:txBody>
+          <a:bodyPr wrap="square" lIns="91440" tIns="45720" rIns="91440" bIns="45720" rtlCol="0" anchor="t">
+            <a:spAutoFit/>
+          </a:bodyPr>
+          <a:lstStyle/>
+          <a:p>
+            <a:pPr algn="ctr"/>
+            <a:r>
+              <a:rPr lang="en-US" sz="2800" b="1"/>
+              <a:t>www.leaves-and-lemmas.</a:t>
+            </a:r>
+            <a:r>
+              <a:rPr lang="en-US" sz="2800" b="1" dirty="0"/>
+              <a:t>com</a:t>
+            </a:r>
+            <a:endParaRPr lang="fr-CA" sz="2800" b="1" dirty="0">
+              <a:cs typeface="Calibri"/>
+            </a:endParaRPr>
           </a:p>
         </p:txBody>
       </p:sp>
